--- a/logo_ttalkr.pptx
+++ b/logo_ttalkr.pptx
@@ -105,15 +105,41 @@
       </a:defRPr>
     </a:lvl9pPr>
   </p:defaultTextStyle>
+  <p:extLst>
+    <p:ext uri="{EFAFB233-063F-42B5-8137-9DF3F51BA10A}">
+      <p15:sldGuideLst xmlns:p15="http://schemas.microsoft.com/office/powerpoint/2012/main"/>
+    </p:ext>
+  </p:extLst>
 </p:presentation>
 </file>
 
-<file path=ppt/revisionInfo.xml><?xml version="1.0" encoding="utf-8"?>
-<p1510:revInfo xmlns:a="http://schemas.openxmlformats.org/drawingml/2006/main" xmlns:r="http://schemas.openxmlformats.org/officeDocument/2006/relationships" xmlns:p1510="http://schemas.microsoft.com/office/powerpoint/2015/10/main">
-  <p1510:revLst>
-    <p1510:client id="{627F97C4-95CD-BA4F-9D13-AB04B77363C3}" v="15" dt="2021-03-16T10:02:49.527"/>
-  </p1510:revLst>
-</p1510:revInfo>
+<file path=ppt/changesInfos/changesInfo1.xml><?xml version="1.0" encoding="utf-8"?>
+<pc:chgInfo xmlns:a="http://schemas.openxmlformats.org/drawingml/2006/main" xmlns:r="http://schemas.openxmlformats.org/officeDocument/2006/relationships" xmlns:ac="http://schemas.microsoft.com/office/drawing/2013/main/command" xmlns:pc="http://schemas.microsoft.com/office/powerpoint/2013/main/command">
+  <pc:docChgLst>
+    <pc:chgData name="Tomelleri Enrico" userId="024ed94a-5a78-4e35-b9a0-20d7f458abcb" providerId="ADAL" clId="{F666AC40-180D-4340-BE09-E5BE10AE23D3}"/>
+    <pc:docChg chg="modSld">
+      <pc:chgData name="Tomelleri Enrico" userId="024ed94a-5a78-4e35-b9a0-20d7f458abcb" providerId="ADAL" clId="{F666AC40-180D-4340-BE09-E5BE10AE23D3}" dt="2021-04-15T17:46:23.127" v="0" actId="164"/>
+      <pc:docMkLst>
+        <pc:docMk/>
+      </pc:docMkLst>
+      <pc:sldChg chg="addSp mod">
+        <pc:chgData name="Tomelleri Enrico" userId="024ed94a-5a78-4e35-b9a0-20d7f458abcb" providerId="ADAL" clId="{F666AC40-180D-4340-BE09-E5BE10AE23D3}" dt="2021-04-15T17:46:23.127" v="0" actId="164"/>
+        <pc:sldMkLst>
+          <pc:docMk/>
+          <pc:sldMk cId="1481544101" sldId="256"/>
+        </pc:sldMkLst>
+        <pc:grpChg chg="add">
+          <ac:chgData name="Tomelleri Enrico" userId="024ed94a-5a78-4e35-b9a0-20d7f458abcb" providerId="ADAL" clId="{F666AC40-180D-4340-BE09-E5BE10AE23D3}" dt="2021-04-15T17:46:23.127" v="0" actId="164"/>
+          <ac:grpSpMkLst>
+            <pc:docMk/>
+            <pc:sldMk cId="1481544101" sldId="256"/>
+            <ac:grpSpMk id="2" creationId="{7C1509FF-C182-424D-895C-47459F6E62CA}"/>
+          </ac:grpSpMkLst>
+        </pc:grpChg>
+      </pc:sldChg>
+    </pc:docChg>
+  </pc:docChgLst>
+</pc:chgInfo>
 </file>
 
 <file path=ppt/slideLayouts/slideLayout1.xml><?xml version="1.0" encoding="utf-8"?>
@@ -265,7 +291,7 @@
           <a:p>
             <a:fld id="{FBD303A9-7B10-2940-9085-F6AE4A843D66}" type="datetimeFigureOut">
               <a:rPr lang="en-GB" smtClean="0"/>
-              <a:t>16/03/2021</a:t>
+              <a:t>15/04/2021</a:t>
             </a:fld>
             <a:endParaRPr lang="en-GB"/>
           </a:p>
@@ -465,7 +491,7 @@
           <a:p>
             <a:fld id="{FBD303A9-7B10-2940-9085-F6AE4A843D66}" type="datetimeFigureOut">
               <a:rPr lang="en-GB" smtClean="0"/>
-              <a:t>16/03/2021</a:t>
+              <a:t>15/04/2021</a:t>
             </a:fld>
             <a:endParaRPr lang="en-GB"/>
           </a:p>
@@ -675,7 +701,7 @@
           <a:p>
             <a:fld id="{FBD303A9-7B10-2940-9085-F6AE4A843D66}" type="datetimeFigureOut">
               <a:rPr lang="en-GB" smtClean="0"/>
-              <a:t>16/03/2021</a:t>
+              <a:t>15/04/2021</a:t>
             </a:fld>
             <a:endParaRPr lang="en-GB"/>
           </a:p>
@@ -875,7 +901,7 @@
           <a:p>
             <a:fld id="{FBD303A9-7B10-2940-9085-F6AE4A843D66}" type="datetimeFigureOut">
               <a:rPr lang="en-GB" smtClean="0"/>
-              <a:t>16/03/2021</a:t>
+              <a:t>15/04/2021</a:t>
             </a:fld>
             <a:endParaRPr lang="en-GB"/>
           </a:p>
@@ -1151,7 +1177,7 @@
           <a:p>
             <a:fld id="{FBD303A9-7B10-2940-9085-F6AE4A843D66}" type="datetimeFigureOut">
               <a:rPr lang="en-GB" smtClean="0"/>
-              <a:t>16/03/2021</a:t>
+              <a:t>15/04/2021</a:t>
             </a:fld>
             <a:endParaRPr lang="en-GB"/>
           </a:p>
@@ -1419,7 +1445,7 @@
           <a:p>
             <a:fld id="{FBD303A9-7B10-2940-9085-F6AE4A843D66}" type="datetimeFigureOut">
               <a:rPr lang="en-GB" smtClean="0"/>
-              <a:t>16/03/2021</a:t>
+              <a:t>15/04/2021</a:t>
             </a:fld>
             <a:endParaRPr lang="en-GB"/>
           </a:p>
@@ -1834,7 +1860,7 @@
           <a:p>
             <a:fld id="{FBD303A9-7B10-2940-9085-F6AE4A843D66}" type="datetimeFigureOut">
               <a:rPr lang="en-GB" smtClean="0"/>
-              <a:t>16/03/2021</a:t>
+              <a:t>15/04/2021</a:t>
             </a:fld>
             <a:endParaRPr lang="en-GB"/>
           </a:p>
@@ -1976,7 +2002,7 @@
           <a:p>
             <a:fld id="{FBD303A9-7B10-2940-9085-F6AE4A843D66}" type="datetimeFigureOut">
               <a:rPr lang="en-GB" smtClean="0"/>
-              <a:t>16/03/2021</a:t>
+              <a:t>15/04/2021</a:t>
             </a:fld>
             <a:endParaRPr lang="en-GB"/>
           </a:p>
@@ -2089,7 +2115,7 @@
           <a:p>
             <a:fld id="{FBD303A9-7B10-2940-9085-F6AE4A843D66}" type="datetimeFigureOut">
               <a:rPr lang="en-GB" smtClean="0"/>
-              <a:t>16/03/2021</a:t>
+              <a:t>15/04/2021</a:t>
             </a:fld>
             <a:endParaRPr lang="en-GB"/>
           </a:p>
@@ -2402,7 +2428,7 @@
           <a:p>
             <a:fld id="{FBD303A9-7B10-2940-9085-F6AE4A843D66}" type="datetimeFigureOut">
               <a:rPr lang="en-GB" smtClean="0"/>
-              <a:t>16/03/2021</a:t>
+              <a:t>15/04/2021</a:t>
             </a:fld>
             <a:endParaRPr lang="en-GB"/>
           </a:p>
@@ -2691,7 +2717,7 @@
           <a:p>
             <a:fld id="{FBD303A9-7B10-2940-9085-F6AE4A843D66}" type="datetimeFigureOut">
               <a:rPr lang="en-GB" smtClean="0"/>
-              <a:t>16/03/2021</a:t>
+              <a:t>15/04/2021</a:t>
             </a:fld>
             <a:endParaRPr lang="en-GB"/>
           </a:p>
@@ -2934,7 +2960,7 @@
           <a:p>
             <a:fld id="{FBD303A9-7B10-2940-9085-F6AE4A843D66}" type="datetimeFigureOut">
               <a:rPr lang="en-GB" smtClean="0"/>
-              <a:t>16/03/2021</a:t>
+              <a:t>15/04/2021</a:t>
             </a:fld>
             <a:endParaRPr lang="en-GB"/>
           </a:p>
@@ -3353,10 +3379,10 @@
       </p:grpSpPr>
       <p:grpSp>
         <p:nvGrpSpPr>
-          <p:cNvPr id="8" name="Gruppieren 7">
-            <a:extLst>
-              <a:ext uri="{FF2B5EF4-FFF2-40B4-BE49-F238E27FC236}">
-                <a16:creationId xmlns:a16="http://schemas.microsoft.com/office/drawing/2014/main" id="{ABB3549E-B358-7B46-BE31-B43EDA106F99}"/>
+          <p:cNvPr id="2" name="Gruppieren 1">
+            <a:extLst>
+              <a:ext uri="{FF2B5EF4-FFF2-40B4-BE49-F238E27FC236}">
+                <a16:creationId xmlns:a16="http://schemas.microsoft.com/office/drawing/2014/main" id="{7C1509FF-C182-424D-895C-47459F6E62CA}"/>
               </a:ext>
             </a:extLst>
           </p:cNvPr>
@@ -3367,16 +3393,172 @@
           <a:xfrm>
             <a:off x="2640245" y="1518243"/>
             <a:ext cx="3014133" cy="3285066"/>
-            <a:chOff x="4639733" y="1134534"/>
+            <a:chOff x="2640245" y="1518243"/>
             <a:chExt cx="3014133" cy="3285066"/>
           </a:xfrm>
         </p:grpSpPr>
+        <p:grpSp>
+          <p:nvGrpSpPr>
+            <p:cNvPr id="8" name="Gruppieren 7">
+              <a:extLst>
+                <a:ext uri="{FF2B5EF4-FFF2-40B4-BE49-F238E27FC236}">
+                  <a16:creationId xmlns:a16="http://schemas.microsoft.com/office/drawing/2014/main" id="{ABB3549E-B358-7B46-BE31-B43EDA106F99}"/>
+                </a:ext>
+              </a:extLst>
+            </p:cNvPr>
+            <p:cNvGrpSpPr/>
+            <p:nvPr/>
+          </p:nvGrpSpPr>
+          <p:grpSpPr>
+            <a:xfrm>
+              <a:off x="2640245" y="1518243"/>
+              <a:ext cx="3014133" cy="3285066"/>
+              <a:chOff x="4639733" y="1134534"/>
+              <a:chExt cx="3014133" cy="3285066"/>
+            </a:xfrm>
+          </p:grpSpPr>
+          <p:sp>
+            <p:nvSpPr>
+              <p:cNvPr id="4" name="Sechseck 3">
+                <a:extLst>
+                  <a:ext uri="{FF2B5EF4-FFF2-40B4-BE49-F238E27FC236}">
+                    <a16:creationId xmlns:a16="http://schemas.microsoft.com/office/drawing/2014/main" id="{9D824FD6-39FD-9247-9097-9BA0C41397C1}"/>
+                  </a:ext>
+                </a:extLst>
+              </p:cNvPr>
+              <p:cNvSpPr/>
+              <p:nvPr/>
+            </p:nvSpPr>
+            <p:spPr>
+              <a:xfrm rot="16200000">
+                <a:off x="4504267" y="1270000"/>
+                <a:ext cx="3285066" cy="3014133"/>
+              </a:xfrm>
+              <a:prstGeom prst="hexagon">
+                <a:avLst/>
+              </a:prstGeom>
+              <a:solidFill>
+                <a:schemeClr val="tx1"/>
+              </a:solidFill>
+              <a:ln w="76200">
+                <a:solidFill>
+                  <a:srgbClr val="2C9C8D"/>
+                </a:solidFill>
+              </a:ln>
+            </p:spPr>
+            <p:style>
+              <a:lnRef idx="2">
+                <a:schemeClr val="accent1">
+                  <a:shade val="50000"/>
+                </a:schemeClr>
+              </a:lnRef>
+              <a:fillRef idx="1">
+                <a:schemeClr val="accent1"/>
+              </a:fillRef>
+              <a:effectRef idx="0">
+                <a:schemeClr val="accent1"/>
+              </a:effectRef>
+              <a:fontRef idx="minor">
+                <a:schemeClr val="lt1"/>
+              </a:fontRef>
+            </p:style>
+            <p:txBody>
+              <a:bodyPr rtlCol="0" anchor="ctr"/>
+              <a:lstStyle/>
+              <a:p>
+                <a:pPr algn="ctr"/>
+                <a:endParaRPr lang="en-GB">
+                  <a:solidFill>
+                    <a:schemeClr val="tx1"/>
+                  </a:solidFill>
+                </a:endParaRPr>
+              </a:p>
+            </p:txBody>
+          </p:sp>
+          <p:pic>
+            <p:nvPicPr>
+              <p:cNvPr id="6" name="Grafik 5" descr="Ein Bild, das Text enthält.&#10;&#10;Automatisch generierte Beschreibung">
+                <a:extLst>
+                  <a:ext uri="{FF2B5EF4-FFF2-40B4-BE49-F238E27FC236}">
+                    <a16:creationId xmlns:a16="http://schemas.microsoft.com/office/drawing/2014/main" id="{E3ACEC2D-A3C9-2645-A652-3FDB5F668939}"/>
+                  </a:ext>
+                </a:extLst>
+              </p:cNvPr>
+              <p:cNvPicPr>
+                <a:picLocks noChangeAspect="1"/>
+              </p:cNvPicPr>
+              <p:nvPr/>
+            </p:nvPicPr>
+            <p:blipFill rotWithShape="1">
+              <a:blip r:embed="rId2"/>
+              <a:srcRect l="7002" t="48473" r="72761" b="10437"/>
+              <a:stretch/>
+            </p:blipFill>
+            <p:spPr>
+              <a:xfrm>
+                <a:off x="5384132" y="1602232"/>
+                <a:ext cx="1568287" cy="1722120"/>
+              </a:xfrm>
+              <a:prstGeom prst="rect">
+                <a:avLst/>
+              </a:prstGeom>
+            </p:spPr>
+          </p:pic>
+          <p:sp>
+            <p:nvSpPr>
+              <p:cNvPr id="7" name="Textfeld 6">
+                <a:extLst>
+                  <a:ext uri="{FF2B5EF4-FFF2-40B4-BE49-F238E27FC236}">
+                    <a16:creationId xmlns:a16="http://schemas.microsoft.com/office/drawing/2014/main" id="{E2060DF6-C621-6E49-9485-184448250236}"/>
+                  </a:ext>
+                </a:extLst>
+              </p:cNvPr>
+              <p:cNvSpPr txBox="1"/>
+              <p:nvPr/>
+            </p:nvSpPr>
+            <p:spPr>
+              <a:xfrm>
+                <a:off x="5196840" y="3244883"/>
+                <a:ext cx="2017776" cy="830997"/>
+              </a:xfrm>
+              <a:prstGeom prst="rect">
+                <a:avLst/>
+              </a:prstGeom>
+              <a:noFill/>
+            </p:spPr>
+            <p:txBody>
+              <a:bodyPr wrap="square" rtlCol="0">
+                <a:spAutoFit/>
+              </a:bodyPr>
+              <a:lstStyle/>
+              <a:p>
+                <a:r>
+                  <a:rPr lang="en-GB" sz="4800" noProof="1">
+                    <a:solidFill>
+                      <a:srgbClr val="2C9C8D"/>
+                    </a:solidFill>
+                    <a:latin typeface="Hadassah Friedlaender" panose="020F0502020204030204" pitchFamily="34" charset="0"/>
+                    <a:cs typeface="Hadassah Friedlaender" panose="020F0502020204030204" pitchFamily="34" charset="0"/>
+                  </a:rPr>
+                  <a:t>ttalkR</a:t>
+                </a:r>
+                <a:endParaRPr lang="en-GB" sz="2400" noProof="1">
+                  <a:solidFill>
+                    <a:srgbClr val="2C9C8D"/>
+                  </a:solidFill>
+                  <a:latin typeface="Hadassah Friedlaender" panose="020F0502020204030204" pitchFamily="34" charset="0"/>
+                  <a:cs typeface="Hadassah Friedlaender" panose="020F0502020204030204" pitchFamily="34" charset="0"/>
+                </a:endParaRPr>
+              </a:p>
+            </p:txBody>
+          </p:sp>
+        </p:grpSp>
         <p:sp>
           <p:nvSpPr>
-            <p:cNvPr id="4" name="Sechseck 3">
+            <p:cNvPr id="9" name="Oval 8">
               <a:extLst>
                 <a:ext uri="{FF2B5EF4-FFF2-40B4-BE49-F238E27FC236}">
-                  <a16:creationId xmlns:a16="http://schemas.microsoft.com/office/drawing/2014/main" id="{9D824FD6-39FD-9247-9097-9BA0C41397C1}"/>
+                  <a16:creationId xmlns:a16="http://schemas.microsoft.com/office/drawing/2014/main" id="{7268C5CD-F27A-A64E-A578-7497F496A590}"/>
                 </a:ext>
               </a:extLst>
             </p:cNvPr>
@@ -3384,16 +3566,14 @@
             <p:nvPr/>
           </p:nvSpPr>
           <p:spPr>
-            <a:xfrm rot="16200000">
-              <a:off x="4504267" y="1270000"/>
-              <a:ext cx="3285066" cy="3014133"/>
+            <a:xfrm>
+              <a:off x="3359189" y="2094931"/>
+              <a:ext cx="1519886" cy="1533661"/>
             </a:xfrm>
-            <a:prstGeom prst="hexagon">
+            <a:prstGeom prst="ellipse">
               <a:avLst/>
             </a:prstGeom>
-            <a:solidFill>
-              <a:schemeClr val="tx1"/>
-            </a:solidFill>
+            <a:noFill/>
             <a:ln w="76200">
               <a:solidFill>
                 <a:srgbClr val="2C9C8D"/>
@@ -3421,144 +3601,11 @@
             <a:lstStyle/>
             <a:p>
               <a:pPr algn="ctr"/>
-              <a:endParaRPr lang="en-GB">
-                <a:solidFill>
-                  <a:schemeClr val="tx1"/>
-                </a:solidFill>
-              </a:endParaRPr>
-            </a:p>
-          </p:txBody>
-        </p:sp>
-        <p:pic>
-          <p:nvPicPr>
-            <p:cNvPr id="6" name="Grafik 5" descr="Ein Bild, das Text enthält.&#10;&#10;Automatisch generierte Beschreibung">
-              <a:extLst>
-                <a:ext uri="{FF2B5EF4-FFF2-40B4-BE49-F238E27FC236}">
-                  <a16:creationId xmlns:a16="http://schemas.microsoft.com/office/drawing/2014/main" id="{E3ACEC2D-A3C9-2645-A652-3FDB5F668939}"/>
-                </a:ext>
-              </a:extLst>
-            </p:cNvPr>
-            <p:cNvPicPr>
-              <a:picLocks noChangeAspect="1"/>
-            </p:cNvPicPr>
-            <p:nvPr/>
-          </p:nvPicPr>
-          <p:blipFill rotWithShape="1">
-            <a:blip r:embed="rId2"/>
-            <a:srcRect l="7002" t="48473" r="72761" b="10437"/>
-            <a:stretch/>
-          </p:blipFill>
-          <p:spPr>
-            <a:xfrm>
-              <a:off x="5384132" y="1602232"/>
-              <a:ext cx="1568287" cy="1722120"/>
-            </a:xfrm>
-            <a:prstGeom prst="rect">
-              <a:avLst/>
-            </a:prstGeom>
-          </p:spPr>
-        </p:pic>
-        <p:sp>
-          <p:nvSpPr>
-            <p:cNvPr id="7" name="Textfeld 6">
-              <a:extLst>
-                <a:ext uri="{FF2B5EF4-FFF2-40B4-BE49-F238E27FC236}">
-                  <a16:creationId xmlns:a16="http://schemas.microsoft.com/office/drawing/2014/main" id="{E2060DF6-C621-6E49-9485-184448250236}"/>
-                </a:ext>
-              </a:extLst>
-            </p:cNvPr>
-            <p:cNvSpPr txBox="1"/>
-            <p:nvPr/>
-          </p:nvSpPr>
-          <p:spPr>
-            <a:xfrm>
-              <a:off x="5196840" y="3244883"/>
-              <a:ext cx="2017776" cy="830997"/>
-            </a:xfrm>
-            <a:prstGeom prst="rect">
-              <a:avLst/>
-            </a:prstGeom>
-            <a:noFill/>
-          </p:spPr>
-          <p:txBody>
-            <a:bodyPr wrap="square" rtlCol="0">
-              <a:spAutoFit/>
-            </a:bodyPr>
-            <a:lstStyle/>
-            <a:p>
-              <a:r>
-                <a:rPr lang="en-GB" sz="4800" noProof="1">
-                  <a:solidFill>
-                    <a:srgbClr val="2C9C8D"/>
-                  </a:solidFill>
-                  <a:latin typeface="Hadassah Friedlaender" panose="020F0502020204030204" pitchFamily="34" charset="0"/>
-                  <a:cs typeface="Hadassah Friedlaender" panose="020F0502020204030204" pitchFamily="34" charset="0"/>
-                </a:rPr>
-                <a:t>ttalkR</a:t>
-              </a:r>
-              <a:endParaRPr lang="en-GB" sz="2400" noProof="1">
-                <a:solidFill>
-                  <a:srgbClr val="2C9C8D"/>
-                </a:solidFill>
-                <a:latin typeface="Hadassah Friedlaender" panose="020F0502020204030204" pitchFamily="34" charset="0"/>
-                <a:cs typeface="Hadassah Friedlaender" panose="020F0502020204030204" pitchFamily="34" charset="0"/>
-              </a:endParaRPr>
+              <a:endParaRPr lang="en-GB"/>
             </a:p>
           </p:txBody>
         </p:sp>
       </p:grpSp>
-      <p:sp>
-        <p:nvSpPr>
-          <p:cNvPr id="9" name="Oval 8">
-            <a:extLst>
-              <a:ext uri="{FF2B5EF4-FFF2-40B4-BE49-F238E27FC236}">
-                <a16:creationId xmlns:a16="http://schemas.microsoft.com/office/drawing/2014/main" id="{7268C5CD-F27A-A64E-A578-7497F496A590}"/>
-              </a:ext>
-            </a:extLst>
-          </p:cNvPr>
-          <p:cNvSpPr/>
-          <p:nvPr/>
-        </p:nvSpPr>
-        <p:spPr>
-          <a:xfrm>
-            <a:off x="3359189" y="2094931"/>
-            <a:ext cx="1519886" cy="1533661"/>
-          </a:xfrm>
-          <a:prstGeom prst="ellipse">
-            <a:avLst/>
-          </a:prstGeom>
-          <a:noFill/>
-          <a:ln w="76200">
-            <a:solidFill>
-              <a:srgbClr val="2C9C8D"/>
-            </a:solidFill>
-          </a:ln>
-        </p:spPr>
-        <p:style>
-          <a:lnRef idx="2">
-            <a:schemeClr val="accent1">
-              <a:shade val="50000"/>
-            </a:schemeClr>
-          </a:lnRef>
-          <a:fillRef idx="1">
-            <a:schemeClr val="accent1"/>
-          </a:fillRef>
-          <a:effectRef idx="0">
-            <a:schemeClr val="accent1"/>
-          </a:effectRef>
-          <a:fontRef idx="minor">
-            <a:schemeClr val="lt1"/>
-          </a:fontRef>
-        </p:style>
-        <p:txBody>
-          <a:bodyPr rtlCol="0" anchor="ctr"/>
-          <a:lstStyle/>
-          <a:p>
-            <a:pPr algn="ctr"/>
-            <a:endParaRPr lang="en-GB"/>
-          </a:p>
-        </p:txBody>
-      </p:sp>
     </p:spTree>
     <p:extLst>
       <p:ext uri="{BB962C8B-B14F-4D97-AF65-F5344CB8AC3E}">

--- a/logo_ttalkr.pptx
+++ b/logo_ttalkr.pptx
@@ -6,7 +6,6 @@
   </p:sldMasterIdLst>
   <p:sldIdLst>
     <p:sldId id="256" r:id="rId2"/>
-    <p:sldId id="257" r:id="rId3"/>
   </p:sldIdLst>
   <p:sldSz cx="12192000" cy="6858000"/>
   <p:notesSz cx="6858000" cy="9144000"/>
@@ -113,8 +112,71 @@
 </p:presentation>
 </file>
 
+<file path=ppt/revisionInfo.xml><?xml version="1.0" encoding="utf-8"?>
+<p1510:revInfo xmlns:a="http://schemas.openxmlformats.org/drawingml/2006/main" xmlns:r="http://schemas.openxmlformats.org/officeDocument/2006/relationships" xmlns:p1510="http://schemas.microsoft.com/office/powerpoint/2015/10/main">
+  <p1510:revLst>
+    <p1510:client id="{59DA42F6-32AA-D243-B315-C41DD94FB2BB}" v="4" dt="2021-05-06T12:47:27.856"/>
+  </p1510:revLst>
+</p1510:revInfo>
+</file>
+
 <file path=ppt/changesInfos/changesInfo1.xml><?xml version="1.0" encoding="utf-8"?>
 <pc:chgInfo xmlns:a="http://schemas.openxmlformats.org/drawingml/2006/main" xmlns:r="http://schemas.openxmlformats.org/officeDocument/2006/relationships" xmlns:ac="http://schemas.microsoft.com/office/drawing/2013/main/command" xmlns:pc="http://schemas.microsoft.com/office/powerpoint/2013/main/command">
+  <pc:docChgLst>
+    <pc:chgData name="Tomelleri Enrico" userId="024ed94a-5a78-4e35-b9a0-20d7f458abcb" providerId="ADAL" clId="{59DA42F6-32AA-D243-B315-C41DD94FB2BB}"/>
+    <pc:docChg chg="undo custSel delSld modSld">
+      <pc:chgData name="Tomelleri Enrico" userId="024ed94a-5a78-4e35-b9a0-20d7f458abcb" providerId="ADAL" clId="{59DA42F6-32AA-D243-B315-C41DD94FB2BB}" dt="2021-05-06T12:47:30.091" v="7" actId="2696"/>
+      <pc:docMkLst>
+        <pc:docMk/>
+      </pc:docMkLst>
+      <pc:sldChg chg="addSp modSp mod">
+        <pc:chgData name="Tomelleri Enrico" userId="024ed94a-5a78-4e35-b9a0-20d7f458abcb" providerId="ADAL" clId="{59DA42F6-32AA-D243-B315-C41DD94FB2BB}" dt="2021-05-06T12:47:27.856" v="6" actId="1076"/>
+        <pc:sldMkLst>
+          <pc:docMk/>
+          <pc:sldMk cId="1481544101" sldId="256"/>
+        </pc:sldMkLst>
+        <pc:spChg chg="mod">
+          <ac:chgData name="Tomelleri Enrico" userId="024ed94a-5a78-4e35-b9a0-20d7f458abcb" providerId="ADAL" clId="{59DA42F6-32AA-D243-B315-C41DD94FB2BB}" dt="2021-05-06T12:47:19.486" v="4" actId="1076"/>
+          <ac:spMkLst>
+            <pc:docMk/>
+            <pc:sldMk cId="1481544101" sldId="256"/>
+            <ac:spMk id="4" creationId="{9D824FD6-39FD-9247-9097-9BA0C41397C1}"/>
+          </ac:spMkLst>
+        </pc:spChg>
+        <pc:grpChg chg="mod">
+          <ac:chgData name="Tomelleri Enrico" userId="024ed94a-5a78-4e35-b9a0-20d7f458abcb" providerId="ADAL" clId="{59DA42F6-32AA-D243-B315-C41DD94FB2BB}" dt="2021-05-06T12:47:26.030" v="5" actId="1076"/>
+          <ac:grpSpMkLst>
+            <pc:docMk/>
+            <pc:sldMk cId="1481544101" sldId="256"/>
+            <ac:grpSpMk id="2" creationId="{7C1509FF-C182-424D-895C-47459F6E62CA}"/>
+          </ac:grpSpMkLst>
+        </pc:grpChg>
+        <pc:picChg chg="add mod">
+          <ac:chgData name="Tomelleri Enrico" userId="024ed94a-5a78-4e35-b9a0-20d7f458abcb" providerId="ADAL" clId="{59DA42F6-32AA-D243-B315-C41DD94FB2BB}" dt="2021-05-06T12:47:27.856" v="6" actId="1076"/>
+          <ac:picMkLst>
+            <pc:docMk/>
+            <pc:sldMk cId="1481544101" sldId="256"/>
+            <ac:picMk id="10" creationId="{66C042D5-F29D-0A47-85FC-FC580F813D32}"/>
+          </ac:picMkLst>
+        </pc:picChg>
+      </pc:sldChg>
+      <pc:sldChg chg="delSp del">
+        <pc:chgData name="Tomelleri Enrico" userId="024ed94a-5a78-4e35-b9a0-20d7f458abcb" providerId="ADAL" clId="{59DA42F6-32AA-D243-B315-C41DD94FB2BB}" dt="2021-05-06T12:47:30.091" v="7" actId="2696"/>
+        <pc:sldMkLst>
+          <pc:docMk/>
+          <pc:sldMk cId="2330026055" sldId="257"/>
+        </pc:sldMkLst>
+        <pc:picChg chg="del">
+          <ac:chgData name="Tomelleri Enrico" userId="024ed94a-5a78-4e35-b9a0-20d7f458abcb" providerId="ADAL" clId="{59DA42F6-32AA-D243-B315-C41DD94FB2BB}" dt="2021-05-06T12:47:07.827" v="0" actId="21"/>
+          <ac:picMkLst>
+            <pc:docMk/>
+            <pc:sldMk cId="2330026055" sldId="257"/>
+            <ac:picMk id="4" creationId="{F9835C51-FE22-F841-B8F4-DC6EA10BB51E}"/>
+          </ac:picMkLst>
+        </pc:picChg>
+      </pc:sldChg>
+    </pc:docChg>
+  </pc:docChgLst>
   <pc:docChgLst>
     <pc:chgData name="Tomelleri Enrico" userId="024ed94a-5a78-4e35-b9a0-20d7f458abcb" providerId="ADAL" clId="{F666AC40-180D-4340-BE09-E5BE10AE23D3}"/>
     <pc:docChg chg="modSld">
@@ -291,7 +353,7 @@
           <a:p>
             <a:fld id="{FBD303A9-7B10-2940-9085-F6AE4A843D66}" type="datetimeFigureOut">
               <a:rPr lang="en-GB" smtClean="0"/>
-              <a:t>15/04/2021</a:t>
+              <a:t>06/05/2021</a:t>
             </a:fld>
             <a:endParaRPr lang="en-GB"/>
           </a:p>
@@ -491,7 +553,7 @@
           <a:p>
             <a:fld id="{FBD303A9-7B10-2940-9085-F6AE4A843D66}" type="datetimeFigureOut">
               <a:rPr lang="en-GB" smtClean="0"/>
-              <a:t>15/04/2021</a:t>
+              <a:t>06/05/2021</a:t>
             </a:fld>
             <a:endParaRPr lang="en-GB"/>
           </a:p>
@@ -701,7 +763,7 @@
           <a:p>
             <a:fld id="{FBD303A9-7B10-2940-9085-F6AE4A843D66}" type="datetimeFigureOut">
               <a:rPr lang="en-GB" smtClean="0"/>
-              <a:t>15/04/2021</a:t>
+              <a:t>06/05/2021</a:t>
             </a:fld>
             <a:endParaRPr lang="en-GB"/>
           </a:p>
@@ -901,7 +963,7 @@
           <a:p>
             <a:fld id="{FBD303A9-7B10-2940-9085-F6AE4A843D66}" type="datetimeFigureOut">
               <a:rPr lang="en-GB" smtClean="0"/>
-              <a:t>15/04/2021</a:t>
+              <a:t>06/05/2021</a:t>
             </a:fld>
             <a:endParaRPr lang="en-GB"/>
           </a:p>
@@ -1177,7 +1239,7 @@
           <a:p>
             <a:fld id="{FBD303A9-7B10-2940-9085-F6AE4A843D66}" type="datetimeFigureOut">
               <a:rPr lang="en-GB" smtClean="0"/>
-              <a:t>15/04/2021</a:t>
+              <a:t>06/05/2021</a:t>
             </a:fld>
             <a:endParaRPr lang="en-GB"/>
           </a:p>
@@ -1445,7 +1507,7 @@
           <a:p>
             <a:fld id="{FBD303A9-7B10-2940-9085-F6AE4A843D66}" type="datetimeFigureOut">
               <a:rPr lang="en-GB" smtClean="0"/>
-              <a:t>15/04/2021</a:t>
+              <a:t>06/05/2021</a:t>
             </a:fld>
             <a:endParaRPr lang="en-GB"/>
           </a:p>
@@ -1860,7 +1922,7 @@
           <a:p>
             <a:fld id="{FBD303A9-7B10-2940-9085-F6AE4A843D66}" type="datetimeFigureOut">
               <a:rPr lang="en-GB" smtClean="0"/>
-              <a:t>15/04/2021</a:t>
+              <a:t>06/05/2021</a:t>
             </a:fld>
             <a:endParaRPr lang="en-GB"/>
           </a:p>
@@ -2002,7 +2064,7 @@
           <a:p>
             <a:fld id="{FBD303A9-7B10-2940-9085-F6AE4A843D66}" type="datetimeFigureOut">
               <a:rPr lang="en-GB" smtClean="0"/>
-              <a:t>15/04/2021</a:t>
+              <a:t>06/05/2021</a:t>
             </a:fld>
             <a:endParaRPr lang="en-GB"/>
           </a:p>
@@ -2115,7 +2177,7 @@
           <a:p>
             <a:fld id="{FBD303A9-7B10-2940-9085-F6AE4A843D66}" type="datetimeFigureOut">
               <a:rPr lang="en-GB" smtClean="0"/>
-              <a:t>15/04/2021</a:t>
+              <a:t>06/05/2021</a:t>
             </a:fld>
             <a:endParaRPr lang="en-GB"/>
           </a:p>
@@ -2428,7 +2490,7 @@
           <a:p>
             <a:fld id="{FBD303A9-7B10-2940-9085-F6AE4A843D66}" type="datetimeFigureOut">
               <a:rPr lang="en-GB" smtClean="0"/>
-              <a:t>15/04/2021</a:t>
+              <a:t>06/05/2021</a:t>
             </a:fld>
             <a:endParaRPr lang="en-GB"/>
           </a:p>
@@ -2717,7 +2779,7 @@
           <a:p>
             <a:fld id="{FBD303A9-7B10-2940-9085-F6AE4A843D66}" type="datetimeFigureOut">
               <a:rPr lang="en-GB" smtClean="0"/>
-              <a:t>15/04/2021</a:t>
+              <a:t>06/05/2021</a:t>
             </a:fld>
             <a:endParaRPr lang="en-GB"/>
           </a:p>
@@ -2960,7 +3022,7 @@
           <a:p>
             <a:fld id="{FBD303A9-7B10-2940-9085-F6AE4A843D66}" type="datetimeFigureOut">
               <a:rPr lang="en-GB" smtClean="0"/>
-              <a:t>15/04/2021</a:t>
+              <a:t>06/05/2021</a:t>
             </a:fld>
             <a:endParaRPr lang="en-GB"/>
           </a:p>
@@ -3391,7 +3453,7 @@
         </p:nvGrpSpPr>
         <p:grpSpPr>
           <a:xfrm>
-            <a:off x="2640245" y="1518243"/>
+            <a:off x="1474175" y="1929303"/>
             <a:ext cx="3014133" cy="3285066"/>
             <a:chOff x="2640245" y="1518243"/>
             <a:chExt cx="3014133" cy="3285066"/>
@@ -3606,42 +3668,12 @@
           </p:txBody>
         </p:sp>
       </p:grpSp>
-    </p:spTree>
-    <p:extLst>
-      <p:ext uri="{BB962C8B-B14F-4D97-AF65-F5344CB8AC3E}">
-        <p14:creationId xmlns:p14="http://schemas.microsoft.com/office/powerpoint/2010/main" val="1481544101"/>
-      </p:ext>
-    </p:extLst>
-  </p:cSld>
-  <p:clrMapOvr>
-    <a:masterClrMapping/>
-  </p:clrMapOvr>
-</p:sld>
-</file>
-
-<file path=ppt/slides/slide2.xml><?xml version="1.0" encoding="utf-8"?>
-<p:sld xmlns:a="http://schemas.openxmlformats.org/drawingml/2006/main" xmlns:r="http://schemas.openxmlformats.org/officeDocument/2006/relationships" xmlns:p="http://schemas.openxmlformats.org/presentationml/2006/main">
-  <p:cSld>
-    <p:spTree>
-      <p:nvGrpSpPr>
-        <p:cNvPr id="1" name=""/>
-        <p:cNvGrpSpPr/>
-        <p:nvPr/>
-      </p:nvGrpSpPr>
-      <p:grpSpPr>
-        <a:xfrm>
-          <a:off x="0" y="0"/>
-          <a:ext cx="0" cy="0"/>
-          <a:chOff x="0" y="0"/>
-          <a:chExt cx="0" cy="0"/>
-        </a:xfrm>
-      </p:grpSpPr>
       <p:pic>
         <p:nvPicPr>
-          <p:cNvPr id="4" name="Picture 2" descr="The Comprehensive R Archive Network">
-            <a:extLst>
-              <a:ext uri="{FF2B5EF4-FFF2-40B4-BE49-F238E27FC236}">
-                <a16:creationId xmlns:a16="http://schemas.microsoft.com/office/drawing/2014/main" id="{F9835C51-FE22-F841-B8F4-DC6EA10BB51E}"/>
+          <p:cNvPr id="10" name="Picture 2" descr="The Comprehensive R Archive Network">
+            <a:extLst>
+              <a:ext uri="{FF2B5EF4-FFF2-40B4-BE49-F238E27FC236}">
+                <a16:creationId xmlns:a16="http://schemas.microsoft.com/office/drawing/2014/main" id="{66C042D5-F29D-0A47-85FC-FC580F813D32}"/>
               </a:ext>
             </a:extLst>
           </p:cNvPr>
@@ -3651,7 +3683,7 @@
           <p:nvPr/>
         </p:nvPicPr>
         <p:blipFill>
-          <a:blip r:embed="rId2">
+          <a:blip r:embed="rId3">
             <a:extLst>
               <a:ext uri="{28A0092B-C50C-407E-A947-70E740481C1C}">
                 <a14:useLocalDpi xmlns:a14="http://schemas.microsoft.com/office/drawing/2010/main" val="0"/>
@@ -3665,7 +3697,7 @@
         </p:blipFill>
         <p:spPr bwMode="auto">
           <a:xfrm>
-            <a:off x="1638300" y="1443456"/>
+            <a:off x="7225367" y="2135833"/>
             <a:ext cx="3304032" cy="2872004"/>
           </a:xfrm>
           <a:prstGeom prst="rect">
@@ -3686,7 +3718,7 @@
     </p:spTree>
     <p:extLst>
       <p:ext uri="{BB962C8B-B14F-4D97-AF65-F5344CB8AC3E}">
-        <p14:creationId xmlns:p14="http://schemas.microsoft.com/office/powerpoint/2010/main" val="2330026055"/>
+        <p14:creationId xmlns:p14="http://schemas.microsoft.com/office/powerpoint/2010/main" val="1481544101"/>
       </p:ext>
     </p:extLst>
   </p:cSld>

--- a/logo_ttalkr.pptx
+++ b/logo_ttalkr.pptx
@@ -6,6 +6,8 @@
   </p:sldMasterIdLst>
   <p:sldIdLst>
     <p:sldId id="256" r:id="rId2"/>
+    <p:sldId id="257" r:id="rId3"/>
+    <p:sldId id="258" r:id="rId4"/>
   </p:sldIdLst>
   <p:sldSz cx="12192000" cy="6858000"/>
   <p:notesSz cx="6858000" cy="9144000"/>
@@ -115,7 +117,7 @@
 <file path=ppt/revisionInfo.xml><?xml version="1.0" encoding="utf-8"?>
 <p1510:revInfo xmlns:a="http://schemas.openxmlformats.org/drawingml/2006/main" xmlns:r="http://schemas.openxmlformats.org/officeDocument/2006/relationships" xmlns:p1510="http://schemas.microsoft.com/office/powerpoint/2015/10/main">
   <p1510:revLst>
-    <p1510:client id="{59DA42F6-32AA-D243-B315-C41DD94FB2BB}" v="4" dt="2021-05-06T12:47:27.856"/>
+    <p1510:client id="{59DA42F6-32AA-D243-B315-C41DD94FB2BB}" v="20" dt="2021-05-12T12:35:24.997"/>
   </p1510:revLst>
 </p1510:revInfo>
 </file>
@@ -124,8 +126,8 @@
 <pc:chgInfo xmlns:a="http://schemas.openxmlformats.org/drawingml/2006/main" xmlns:r="http://schemas.openxmlformats.org/officeDocument/2006/relationships" xmlns:ac="http://schemas.microsoft.com/office/drawing/2013/main/command" xmlns:pc="http://schemas.microsoft.com/office/powerpoint/2013/main/command">
   <pc:docChgLst>
     <pc:chgData name="Tomelleri Enrico" userId="024ed94a-5a78-4e35-b9a0-20d7f458abcb" providerId="ADAL" clId="{59DA42F6-32AA-D243-B315-C41DD94FB2BB}"/>
-    <pc:docChg chg="undo custSel delSld modSld">
-      <pc:chgData name="Tomelleri Enrico" userId="024ed94a-5a78-4e35-b9a0-20d7f458abcb" providerId="ADAL" clId="{59DA42F6-32AA-D243-B315-C41DD94FB2BB}" dt="2021-05-06T12:47:30.091" v="7" actId="2696"/>
+    <pc:docChg chg="undo custSel addSld delSld modSld">
+      <pc:chgData name="Tomelleri Enrico" userId="024ed94a-5a78-4e35-b9a0-20d7f458abcb" providerId="ADAL" clId="{59DA42F6-32AA-D243-B315-C41DD94FB2BB}" dt="2021-05-12T12:36:21.264" v="254" actId="1076"/>
       <pc:docMkLst>
         <pc:docMk/>
       </pc:docMkLst>
@@ -175,6 +177,140 @@
           </ac:picMkLst>
         </pc:picChg>
       </pc:sldChg>
+      <pc:sldChg chg="addSp delSp modSp new mod">
+        <pc:chgData name="Tomelleri Enrico" userId="024ed94a-5a78-4e35-b9a0-20d7f458abcb" providerId="ADAL" clId="{59DA42F6-32AA-D243-B315-C41DD94FB2BB}" dt="2021-05-12T12:26:57.899" v="15" actId="1076"/>
+        <pc:sldMkLst>
+          <pc:docMk/>
+          <pc:sldMk cId="3765951638" sldId="257"/>
+        </pc:sldMkLst>
+        <pc:spChg chg="del mod">
+          <ac:chgData name="Tomelleri Enrico" userId="024ed94a-5a78-4e35-b9a0-20d7f458abcb" providerId="ADAL" clId="{59DA42F6-32AA-D243-B315-C41DD94FB2BB}" dt="2021-05-12T12:26:52.734" v="13" actId="478"/>
+          <ac:spMkLst>
+            <pc:docMk/>
+            <pc:sldMk cId="3765951638" sldId="257"/>
+            <ac:spMk id="2" creationId="{359A8CC5-F8EA-D54E-B6F1-90D90AE68116}"/>
+          </ac:spMkLst>
+        </pc:spChg>
+        <pc:spChg chg="del">
+          <ac:chgData name="Tomelleri Enrico" userId="024ed94a-5a78-4e35-b9a0-20d7f458abcb" providerId="ADAL" clId="{59DA42F6-32AA-D243-B315-C41DD94FB2BB}" dt="2021-05-12T12:26:47.874" v="9"/>
+          <ac:spMkLst>
+            <pc:docMk/>
+            <pc:sldMk cId="3765951638" sldId="257"/>
+            <ac:spMk id="3" creationId="{CF1C0532-927A-B541-AA7C-C52D5FE4F104}"/>
+          </ac:spMkLst>
+        </pc:spChg>
+        <pc:picChg chg="add mod">
+          <ac:chgData name="Tomelleri Enrico" userId="024ed94a-5a78-4e35-b9a0-20d7f458abcb" providerId="ADAL" clId="{59DA42F6-32AA-D243-B315-C41DD94FB2BB}" dt="2021-05-12T12:26:57.899" v="15" actId="1076"/>
+          <ac:picMkLst>
+            <pc:docMk/>
+            <pc:sldMk cId="3765951638" sldId="257"/>
+            <ac:picMk id="5" creationId="{E2186976-FD98-044D-81F5-2FFFAD50BC85}"/>
+          </ac:picMkLst>
+        </pc:picChg>
+      </pc:sldChg>
+      <pc:sldChg chg="addSp delSp modSp new mod">
+        <pc:chgData name="Tomelleri Enrico" userId="024ed94a-5a78-4e35-b9a0-20d7f458abcb" providerId="ADAL" clId="{59DA42F6-32AA-D243-B315-C41DD94FB2BB}" dt="2021-05-12T12:36:21.264" v="254" actId="1076"/>
+        <pc:sldMkLst>
+          <pc:docMk/>
+          <pc:sldMk cId="2867756989" sldId="258"/>
+        </pc:sldMkLst>
+        <pc:spChg chg="mod">
+          <ac:chgData name="Tomelleri Enrico" userId="024ed94a-5a78-4e35-b9a0-20d7f458abcb" providerId="ADAL" clId="{59DA42F6-32AA-D243-B315-C41DD94FB2BB}" dt="2021-05-12T12:33:24.652" v="223" actId="1076"/>
+          <ac:spMkLst>
+            <pc:docMk/>
+            <pc:sldMk cId="2867756989" sldId="258"/>
+            <ac:spMk id="2" creationId="{A291E331-EFEA-ED49-872B-02C53D77BD0B}"/>
+          </ac:spMkLst>
+        </pc:spChg>
+        <pc:spChg chg="del">
+          <ac:chgData name="Tomelleri Enrico" userId="024ed94a-5a78-4e35-b9a0-20d7f458abcb" providerId="ADAL" clId="{59DA42F6-32AA-D243-B315-C41DD94FB2BB}" dt="2021-05-12T12:32:42.804" v="220" actId="478"/>
+          <ac:spMkLst>
+            <pc:docMk/>
+            <pc:sldMk cId="2867756989" sldId="258"/>
+            <ac:spMk id="3" creationId="{65BE59BB-4831-0F4C-8C41-16167ADCC497}"/>
+          </ac:spMkLst>
+        </pc:spChg>
+        <pc:spChg chg="add mod">
+          <ac:chgData name="Tomelleri Enrico" userId="024ed94a-5a78-4e35-b9a0-20d7f458abcb" providerId="ADAL" clId="{59DA42F6-32AA-D243-B315-C41DD94FB2BB}" dt="2021-05-12T12:31:27.356" v="167" actId="1076"/>
+          <ac:spMkLst>
+            <pc:docMk/>
+            <pc:sldMk cId="2867756989" sldId="258"/>
+            <ac:spMk id="4" creationId="{36F39249-D95A-9549-A30F-C2439C43A3BD}"/>
+          </ac:spMkLst>
+        </pc:spChg>
+        <pc:spChg chg="add del mod">
+          <ac:chgData name="Tomelleri Enrico" userId="024ed94a-5a78-4e35-b9a0-20d7f458abcb" providerId="ADAL" clId="{59DA42F6-32AA-D243-B315-C41DD94FB2BB}" dt="2021-05-12T12:28:45.940" v="87" actId="478"/>
+          <ac:spMkLst>
+            <pc:docMk/>
+            <pc:sldMk cId="2867756989" sldId="258"/>
+            <ac:spMk id="5" creationId="{D1F8734E-DB6D-8445-8F3D-B92DC3A7952A}"/>
+          </ac:spMkLst>
+        </pc:spChg>
+        <pc:spChg chg="add mod">
+          <ac:chgData name="Tomelleri Enrico" userId="024ed94a-5a78-4e35-b9a0-20d7f458abcb" providerId="ADAL" clId="{59DA42F6-32AA-D243-B315-C41DD94FB2BB}" dt="2021-05-12T12:36:00.280" v="249" actId="1076"/>
+          <ac:spMkLst>
+            <pc:docMk/>
+            <pc:sldMk cId="2867756989" sldId="258"/>
+            <ac:spMk id="6" creationId="{FC935666-A447-2E4B-BD60-477216FAA436}"/>
+          </ac:spMkLst>
+        </pc:spChg>
+        <pc:spChg chg="add mod">
+          <ac:chgData name="Tomelleri Enrico" userId="024ed94a-5a78-4e35-b9a0-20d7f458abcb" providerId="ADAL" clId="{59DA42F6-32AA-D243-B315-C41DD94FB2BB}" dt="2021-05-12T12:36:08.057" v="252" actId="1076"/>
+          <ac:spMkLst>
+            <pc:docMk/>
+            <pc:sldMk cId="2867756989" sldId="258"/>
+            <ac:spMk id="7" creationId="{A4A870D3-EA1F-454B-86E2-D5737F5A6B13}"/>
+          </ac:spMkLst>
+        </pc:spChg>
+        <pc:spChg chg="add mod">
+          <ac:chgData name="Tomelleri Enrico" userId="024ed94a-5a78-4e35-b9a0-20d7f458abcb" providerId="ADAL" clId="{59DA42F6-32AA-D243-B315-C41DD94FB2BB}" dt="2021-05-12T12:36:06.267" v="251" actId="1076"/>
+          <ac:spMkLst>
+            <pc:docMk/>
+            <pc:sldMk cId="2867756989" sldId="258"/>
+            <ac:spMk id="8" creationId="{8E15099E-9105-3548-B148-B92391BF02CF}"/>
+          </ac:spMkLst>
+        </pc:spChg>
+        <pc:spChg chg="add mod">
+          <ac:chgData name="Tomelleri Enrico" userId="024ed94a-5a78-4e35-b9a0-20d7f458abcb" providerId="ADAL" clId="{59DA42F6-32AA-D243-B315-C41DD94FB2BB}" dt="2021-05-12T12:36:11.276" v="253" actId="1076"/>
+          <ac:spMkLst>
+            <pc:docMk/>
+            <pc:sldMk cId="2867756989" sldId="258"/>
+            <ac:spMk id="9" creationId="{556F5112-E18A-ED4A-B38D-A79AF0EDB611}"/>
+          </ac:spMkLst>
+        </pc:spChg>
+        <pc:spChg chg="add mod">
+          <ac:chgData name="Tomelleri Enrico" userId="024ed94a-5a78-4e35-b9a0-20d7f458abcb" providerId="ADAL" clId="{59DA42F6-32AA-D243-B315-C41DD94FB2BB}" dt="2021-05-12T12:36:03.549" v="250" actId="1076"/>
+          <ac:spMkLst>
+            <pc:docMk/>
+            <pc:sldMk cId="2867756989" sldId="258"/>
+            <ac:spMk id="10" creationId="{46B69D56-9630-D34F-9068-685C6A6F75D6}"/>
+          </ac:spMkLst>
+        </pc:spChg>
+        <pc:spChg chg="add mod">
+          <ac:chgData name="Tomelleri Enrico" userId="024ed94a-5a78-4e35-b9a0-20d7f458abcb" providerId="ADAL" clId="{59DA42F6-32AA-D243-B315-C41DD94FB2BB}" dt="2021-05-12T12:32:40.597" v="219" actId="1076"/>
+          <ac:spMkLst>
+            <pc:docMk/>
+            <pc:sldMk cId="2867756989" sldId="258"/>
+            <ac:spMk id="11" creationId="{D65D55F6-04A9-2F4E-96FD-BACCBF2057DE}"/>
+          </ac:spMkLst>
+        </pc:spChg>
+        <pc:spChg chg="add mod">
+          <ac:chgData name="Tomelleri Enrico" userId="024ed94a-5a78-4e35-b9a0-20d7f458abcb" providerId="ADAL" clId="{59DA42F6-32AA-D243-B315-C41DD94FB2BB}" dt="2021-05-12T12:36:21.264" v="254" actId="1076"/>
+          <ac:spMkLst>
+            <pc:docMk/>
+            <pc:sldMk cId="2867756989" sldId="258"/>
+            <ac:spMk id="14" creationId="{F0C9F6F6-CD2F-2A45-B03D-D3FD1926D75C}"/>
+          </ac:spMkLst>
+        </pc:spChg>
+        <pc:picChg chg="add mod">
+          <ac:chgData name="Tomelleri Enrico" userId="024ed94a-5a78-4e35-b9a0-20d7f458abcb" providerId="ADAL" clId="{59DA42F6-32AA-D243-B315-C41DD94FB2BB}" dt="2021-05-12T12:34:00.841" v="226" actId="1076"/>
+          <ac:picMkLst>
+            <pc:docMk/>
+            <pc:sldMk cId="2867756989" sldId="258"/>
+            <ac:picMk id="13" creationId="{625A63CD-40B6-E94C-A797-AA3229A1068F}"/>
+          </ac:picMkLst>
+        </pc:picChg>
+      </pc:sldChg>
     </pc:docChg>
   </pc:docChgLst>
   <pc:docChgLst>
@@ -353,7 +489,7 @@
           <a:p>
             <a:fld id="{FBD303A9-7B10-2940-9085-F6AE4A843D66}" type="datetimeFigureOut">
               <a:rPr lang="en-GB" smtClean="0"/>
-              <a:t>06/05/2021</a:t>
+              <a:t>12/05/2021</a:t>
             </a:fld>
             <a:endParaRPr lang="en-GB"/>
           </a:p>
@@ -553,7 +689,7 @@
           <a:p>
             <a:fld id="{FBD303A9-7B10-2940-9085-F6AE4A843D66}" type="datetimeFigureOut">
               <a:rPr lang="en-GB" smtClean="0"/>
-              <a:t>06/05/2021</a:t>
+              <a:t>12/05/2021</a:t>
             </a:fld>
             <a:endParaRPr lang="en-GB"/>
           </a:p>
@@ -763,7 +899,7 @@
           <a:p>
             <a:fld id="{FBD303A9-7B10-2940-9085-F6AE4A843D66}" type="datetimeFigureOut">
               <a:rPr lang="en-GB" smtClean="0"/>
-              <a:t>06/05/2021</a:t>
+              <a:t>12/05/2021</a:t>
             </a:fld>
             <a:endParaRPr lang="en-GB"/>
           </a:p>
@@ -963,7 +1099,7 @@
           <a:p>
             <a:fld id="{FBD303A9-7B10-2940-9085-F6AE4A843D66}" type="datetimeFigureOut">
               <a:rPr lang="en-GB" smtClean="0"/>
-              <a:t>06/05/2021</a:t>
+              <a:t>12/05/2021</a:t>
             </a:fld>
             <a:endParaRPr lang="en-GB"/>
           </a:p>
@@ -1239,7 +1375,7 @@
           <a:p>
             <a:fld id="{FBD303A9-7B10-2940-9085-F6AE4A843D66}" type="datetimeFigureOut">
               <a:rPr lang="en-GB" smtClean="0"/>
-              <a:t>06/05/2021</a:t>
+              <a:t>12/05/2021</a:t>
             </a:fld>
             <a:endParaRPr lang="en-GB"/>
           </a:p>
@@ -1507,7 +1643,7 @@
           <a:p>
             <a:fld id="{FBD303A9-7B10-2940-9085-F6AE4A843D66}" type="datetimeFigureOut">
               <a:rPr lang="en-GB" smtClean="0"/>
-              <a:t>06/05/2021</a:t>
+              <a:t>12/05/2021</a:t>
             </a:fld>
             <a:endParaRPr lang="en-GB"/>
           </a:p>
@@ -1922,7 +2058,7 @@
           <a:p>
             <a:fld id="{FBD303A9-7B10-2940-9085-F6AE4A843D66}" type="datetimeFigureOut">
               <a:rPr lang="en-GB" smtClean="0"/>
-              <a:t>06/05/2021</a:t>
+              <a:t>12/05/2021</a:t>
             </a:fld>
             <a:endParaRPr lang="en-GB"/>
           </a:p>
@@ -2064,7 +2200,7 @@
           <a:p>
             <a:fld id="{FBD303A9-7B10-2940-9085-F6AE4A843D66}" type="datetimeFigureOut">
               <a:rPr lang="en-GB" smtClean="0"/>
-              <a:t>06/05/2021</a:t>
+              <a:t>12/05/2021</a:t>
             </a:fld>
             <a:endParaRPr lang="en-GB"/>
           </a:p>
@@ -2177,7 +2313,7 @@
           <a:p>
             <a:fld id="{FBD303A9-7B10-2940-9085-F6AE4A843D66}" type="datetimeFigureOut">
               <a:rPr lang="en-GB" smtClean="0"/>
-              <a:t>06/05/2021</a:t>
+              <a:t>12/05/2021</a:t>
             </a:fld>
             <a:endParaRPr lang="en-GB"/>
           </a:p>
@@ -2490,7 +2626,7 @@
           <a:p>
             <a:fld id="{FBD303A9-7B10-2940-9085-F6AE4A843D66}" type="datetimeFigureOut">
               <a:rPr lang="en-GB" smtClean="0"/>
-              <a:t>06/05/2021</a:t>
+              <a:t>12/05/2021</a:t>
             </a:fld>
             <a:endParaRPr lang="en-GB"/>
           </a:p>
@@ -2779,7 +2915,7 @@
           <a:p>
             <a:fld id="{FBD303A9-7B10-2940-9085-F6AE4A843D66}" type="datetimeFigureOut">
               <a:rPr lang="en-GB" smtClean="0"/>
-              <a:t>06/05/2021</a:t>
+              <a:t>12/05/2021</a:t>
             </a:fld>
             <a:endParaRPr lang="en-GB"/>
           </a:p>
@@ -3022,7 +3158,7 @@
           <a:p>
             <a:fld id="{FBD303A9-7B10-2940-9085-F6AE4A843D66}" type="datetimeFigureOut">
               <a:rPr lang="en-GB" smtClean="0"/>
-              <a:t>06/05/2021</a:t>
+              <a:t>12/05/2021</a:t>
             </a:fld>
             <a:endParaRPr lang="en-GB"/>
           </a:p>
@@ -3728,6 +3864,688 @@
 </p:sld>
 </file>
 
+<file path=ppt/slides/slide2.xml><?xml version="1.0" encoding="utf-8"?>
+<p:sld xmlns:a="http://schemas.openxmlformats.org/drawingml/2006/main" xmlns:r="http://schemas.openxmlformats.org/officeDocument/2006/relationships" xmlns:p="http://schemas.openxmlformats.org/presentationml/2006/main">
+  <p:cSld>
+    <p:spTree>
+      <p:nvGrpSpPr>
+        <p:cNvPr id="1" name=""/>
+        <p:cNvGrpSpPr/>
+        <p:nvPr/>
+      </p:nvGrpSpPr>
+      <p:grpSpPr>
+        <a:xfrm>
+          <a:off x="0" y="0"/>
+          <a:ext cx="0" cy="0"/>
+          <a:chOff x="0" y="0"/>
+          <a:chExt cx="0" cy="0"/>
+        </a:xfrm>
+      </p:grpSpPr>
+      <p:pic>
+        <p:nvPicPr>
+          <p:cNvPr id="5" name="Inhaltsplatzhalter 4" descr="Ein Bild, das Text enthält.&#10;&#10;Automatisch generierte Beschreibung">
+            <a:extLst>
+              <a:ext uri="{FF2B5EF4-FFF2-40B4-BE49-F238E27FC236}">
+                <a16:creationId xmlns:a16="http://schemas.microsoft.com/office/drawing/2014/main" id="{E2186976-FD98-044D-81F5-2FFFAD50BC85}"/>
+              </a:ext>
+            </a:extLst>
+          </p:cNvPr>
+          <p:cNvPicPr>
+            <a:picLocks noGrp="1" noChangeAspect="1"/>
+          </p:cNvPicPr>
+          <p:nvPr>
+            <p:ph idx="1"/>
+          </p:nvPr>
+        </p:nvPicPr>
+        <p:blipFill>
+          <a:blip r:embed="rId2"/>
+          <a:stretch>
+            <a:fillRect/>
+          </a:stretch>
+        </p:blipFill>
+        <p:spPr>
+          <a:xfrm>
+            <a:off x="2136425" y="438490"/>
+            <a:ext cx="7919150" cy="5981020"/>
+          </a:xfrm>
+        </p:spPr>
+      </p:pic>
+    </p:spTree>
+    <p:extLst>
+      <p:ext uri="{BB962C8B-B14F-4D97-AF65-F5344CB8AC3E}">
+        <p14:creationId xmlns:p14="http://schemas.microsoft.com/office/powerpoint/2010/main" val="3765951638"/>
+      </p:ext>
+    </p:extLst>
+  </p:cSld>
+  <p:clrMapOvr>
+    <a:masterClrMapping/>
+  </p:clrMapOvr>
+</p:sld>
+</file>
+
+<file path=ppt/slides/slide3.xml><?xml version="1.0" encoding="utf-8"?>
+<p:sld xmlns:a="http://schemas.openxmlformats.org/drawingml/2006/main" xmlns:r="http://schemas.openxmlformats.org/officeDocument/2006/relationships" xmlns:p="http://schemas.openxmlformats.org/presentationml/2006/main">
+  <p:cSld>
+    <p:spTree>
+      <p:nvGrpSpPr>
+        <p:cNvPr id="1" name=""/>
+        <p:cNvGrpSpPr/>
+        <p:nvPr/>
+      </p:nvGrpSpPr>
+      <p:grpSpPr>
+        <a:xfrm>
+          <a:off x="0" y="0"/>
+          <a:ext cx="0" cy="0"/>
+          <a:chOff x="0" y="0"/>
+          <a:chExt cx="0" cy="0"/>
+        </a:xfrm>
+      </p:grpSpPr>
+      <p:sp>
+        <p:nvSpPr>
+          <p:cNvPr id="2" name="Titel 1">
+            <a:extLst>
+              <a:ext uri="{FF2B5EF4-FFF2-40B4-BE49-F238E27FC236}">
+                <a16:creationId xmlns:a16="http://schemas.microsoft.com/office/drawing/2014/main" id="{A291E331-EFEA-ED49-872B-02C53D77BD0B}"/>
+              </a:ext>
+            </a:extLst>
+          </p:cNvPr>
+          <p:cNvSpPr>
+            <a:spLocks noGrp="1"/>
+          </p:cNvSpPr>
+          <p:nvPr>
+            <p:ph type="title"/>
+          </p:nvPr>
+        </p:nvSpPr>
+        <p:spPr>
+          <a:xfrm>
+            <a:off x="458056" y="145134"/>
+            <a:ext cx="10515600" cy="1325563"/>
+          </a:xfrm>
+        </p:spPr>
+        <p:txBody>
+          <a:bodyPr>
+            <a:normAutofit/>
+          </a:bodyPr>
+          <a:lstStyle/>
+          <a:p>
+            <a:r>
+              <a:rPr lang="de-DE" dirty="0"/>
+              <a:t>An </a:t>
+            </a:r>
+            <a:r>
+              <a:rPr lang="de-DE" dirty="0" err="1"/>
+              <a:t>unified</a:t>
+            </a:r>
+            <a:r>
+              <a:rPr lang="de-DE" dirty="0"/>
+              <a:t> </a:t>
+            </a:r>
+            <a:r>
+              <a:rPr lang="de-DE" dirty="0" err="1"/>
+              <a:t>processing</a:t>
+            </a:r>
+            <a:r>
+              <a:rPr lang="de-DE" dirty="0"/>
+              <a:t> </a:t>
+            </a:r>
+            <a:r>
+              <a:rPr lang="de-DE" dirty="0" err="1"/>
+              <a:t>workflow</a:t>
+            </a:r>
+            <a:endParaRPr lang="en-GB" dirty="0"/>
+          </a:p>
+        </p:txBody>
+      </p:sp>
+      <p:sp>
+        <p:nvSpPr>
+          <p:cNvPr id="4" name="Abgerundetes Rechteck 3">
+            <a:extLst>
+              <a:ext uri="{FF2B5EF4-FFF2-40B4-BE49-F238E27FC236}">
+                <a16:creationId xmlns:a16="http://schemas.microsoft.com/office/drawing/2014/main" id="{36F39249-D95A-9549-A30F-C2439C43A3BD}"/>
+              </a:ext>
+            </a:extLst>
+          </p:cNvPr>
+          <p:cNvSpPr/>
+          <p:nvPr/>
+        </p:nvSpPr>
+        <p:spPr>
+          <a:xfrm>
+            <a:off x="4750036" y="3165271"/>
+            <a:ext cx="2233749" cy="836023"/>
+          </a:xfrm>
+          <a:prstGeom prst="roundRect">
+            <a:avLst/>
+          </a:prstGeom>
+          <a:solidFill>
+            <a:srgbClr val="00B050"/>
+          </a:solidFill>
+        </p:spPr>
+        <p:style>
+          <a:lnRef idx="2">
+            <a:schemeClr val="accent1">
+              <a:shade val="50000"/>
+            </a:schemeClr>
+          </a:lnRef>
+          <a:fillRef idx="1">
+            <a:schemeClr val="accent1"/>
+          </a:fillRef>
+          <a:effectRef idx="0">
+            <a:schemeClr val="accent1"/>
+          </a:effectRef>
+          <a:fontRef idx="minor">
+            <a:schemeClr val="lt1"/>
+          </a:fontRef>
+        </p:style>
+        <p:txBody>
+          <a:bodyPr rtlCol="0" anchor="ctr"/>
+          <a:lstStyle/>
+          <a:p>
+            <a:pPr algn="ctr"/>
+            <a:r>
+              <a:rPr lang="en-GB" sz="2800" dirty="0" err="1"/>
+              <a:t>ttscrape</a:t>
+            </a:r>
+            <a:r>
+              <a:rPr lang="en-GB" sz="2800" dirty="0"/>
+              <a:t>()</a:t>
+            </a:r>
+          </a:p>
+        </p:txBody>
+      </p:sp>
+      <p:sp>
+        <p:nvSpPr>
+          <p:cNvPr id="6" name="Abgerundetes Rechteck 5">
+            <a:extLst>
+              <a:ext uri="{FF2B5EF4-FFF2-40B4-BE49-F238E27FC236}">
+                <a16:creationId xmlns:a16="http://schemas.microsoft.com/office/drawing/2014/main" id="{FC935666-A447-2E4B-BD60-477216FAA436}"/>
+              </a:ext>
+            </a:extLst>
+          </p:cNvPr>
+          <p:cNvSpPr/>
+          <p:nvPr/>
+        </p:nvSpPr>
+        <p:spPr>
+          <a:xfrm>
+            <a:off x="1205451" y="4200889"/>
+            <a:ext cx="2233749" cy="836023"/>
+          </a:xfrm>
+          <a:prstGeom prst="roundRect">
+            <a:avLst/>
+          </a:prstGeom>
+          <a:solidFill>
+            <a:srgbClr val="FFC000"/>
+          </a:solidFill>
+        </p:spPr>
+        <p:style>
+          <a:lnRef idx="2">
+            <a:schemeClr val="accent1">
+              <a:shade val="50000"/>
+            </a:schemeClr>
+          </a:lnRef>
+          <a:fillRef idx="1">
+            <a:schemeClr val="accent1"/>
+          </a:fillRef>
+          <a:effectRef idx="0">
+            <a:schemeClr val="accent1"/>
+          </a:effectRef>
+          <a:fontRef idx="minor">
+            <a:schemeClr val="lt1"/>
+          </a:fontRef>
+        </p:style>
+        <p:txBody>
+          <a:bodyPr rtlCol="0" anchor="ctr"/>
+          <a:lstStyle/>
+          <a:p>
+            <a:pPr algn="ctr"/>
+            <a:r>
+              <a:rPr lang="en-GB" sz="2800" dirty="0" err="1"/>
+              <a:t>ttmeteo</a:t>
+            </a:r>
+            <a:r>
+              <a:rPr lang="en-GB" sz="2800" dirty="0"/>
+              <a:t>()</a:t>
+            </a:r>
+          </a:p>
+          <a:p>
+            <a:pPr algn="ctr"/>
+            <a:r>
+              <a:rPr lang="en-GB" sz="1600" dirty="0">
+                <a:solidFill>
+                  <a:schemeClr val="tx1">
+                    <a:lumMod val="95000"/>
+                    <a:lumOff val="5000"/>
+                  </a:schemeClr>
+                </a:solidFill>
+              </a:rPr>
+              <a:t>Missing: plotting utility</a:t>
+            </a:r>
+          </a:p>
+        </p:txBody>
+      </p:sp>
+      <p:sp>
+        <p:nvSpPr>
+          <p:cNvPr id="7" name="Abgerundetes Rechteck 6">
+            <a:extLst>
+              <a:ext uri="{FF2B5EF4-FFF2-40B4-BE49-F238E27FC236}">
+                <a16:creationId xmlns:a16="http://schemas.microsoft.com/office/drawing/2014/main" id="{A4A870D3-EA1F-454B-86E2-D5737F5A6B13}"/>
+              </a:ext>
+            </a:extLst>
+          </p:cNvPr>
+          <p:cNvSpPr/>
+          <p:nvPr/>
+        </p:nvSpPr>
+        <p:spPr>
+          <a:xfrm>
+            <a:off x="8904294" y="3819759"/>
+            <a:ext cx="2233749" cy="836023"/>
+          </a:xfrm>
+          <a:prstGeom prst="roundRect">
+            <a:avLst/>
+          </a:prstGeom>
+          <a:solidFill>
+            <a:srgbClr val="FFC000"/>
+          </a:solidFill>
+        </p:spPr>
+        <p:style>
+          <a:lnRef idx="2">
+            <a:schemeClr val="accent1">
+              <a:shade val="50000"/>
+            </a:schemeClr>
+          </a:lnRef>
+          <a:fillRef idx="1">
+            <a:schemeClr val="accent1"/>
+          </a:fillRef>
+          <a:effectRef idx="0">
+            <a:schemeClr val="accent1"/>
+          </a:effectRef>
+          <a:fontRef idx="minor">
+            <a:schemeClr val="lt1"/>
+          </a:fontRef>
+        </p:style>
+        <p:txBody>
+          <a:bodyPr rtlCol="0" anchor="ctr"/>
+          <a:lstStyle/>
+          <a:p>
+            <a:pPr algn="ctr"/>
+            <a:r>
+              <a:rPr lang="en-GB" sz="2800" dirty="0" err="1"/>
+              <a:t>ttgranier</a:t>
+            </a:r>
+            <a:r>
+              <a:rPr lang="en-GB" sz="2800" dirty="0"/>
+              <a:t>()</a:t>
+            </a:r>
+          </a:p>
+          <a:p>
+            <a:pPr algn="ctr"/>
+            <a:r>
+              <a:rPr lang="en-GB" sz="1600" dirty="0">
+                <a:solidFill>
+                  <a:schemeClr val="tx1">
+                    <a:lumMod val="95000"/>
+                    <a:lumOff val="5000"/>
+                  </a:schemeClr>
+                </a:solidFill>
+              </a:rPr>
+              <a:t>Missing: plotting utility</a:t>
+            </a:r>
+          </a:p>
+        </p:txBody>
+      </p:sp>
+      <p:sp>
+        <p:nvSpPr>
+          <p:cNvPr id="8" name="Abgerundetes Rechteck 7">
+            <a:extLst>
+              <a:ext uri="{FF2B5EF4-FFF2-40B4-BE49-F238E27FC236}">
+                <a16:creationId xmlns:a16="http://schemas.microsoft.com/office/drawing/2014/main" id="{8E15099E-9105-3548-B148-B92391BF02CF}"/>
+              </a:ext>
+            </a:extLst>
+          </p:cNvPr>
+          <p:cNvSpPr/>
+          <p:nvPr/>
+        </p:nvSpPr>
+        <p:spPr>
+          <a:xfrm>
+            <a:off x="7530565" y="1899972"/>
+            <a:ext cx="2233749" cy="836023"/>
+          </a:xfrm>
+          <a:prstGeom prst="roundRect">
+            <a:avLst/>
+          </a:prstGeom>
+          <a:solidFill>
+            <a:srgbClr val="00B050"/>
+          </a:solidFill>
+        </p:spPr>
+        <p:style>
+          <a:lnRef idx="2">
+            <a:schemeClr val="accent1">
+              <a:shade val="50000"/>
+            </a:schemeClr>
+          </a:lnRef>
+          <a:fillRef idx="1">
+            <a:schemeClr val="accent1"/>
+          </a:fillRef>
+          <a:effectRef idx="0">
+            <a:schemeClr val="accent1"/>
+          </a:effectRef>
+          <a:fontRef idx="minor">
+            <a:schemeClr val="lt1"/>
+          </a:fontRef>
+        </p:style>
+        <p:txBody>
+          <a:bodyPr rtlCol="0" anchor="ctr"/>
+          <a:lstStyle/>
+          <a:p>
+            <a:pPr algn="ctr"/>
+            <a:r>
+              <a:rPr lang="en-GB" sz="2800" dirty="0" err="1"/>
+              <a:t>ttbattery</a:t>
+            </a:r>
+            <a:r>
+              <a:rPr lang="en-GB" sz="2800" dirty="0"/>
+              <a:t>()</a:t>
+            </a:r>
+          </a:p>
+        </p:txBody>
+      </p:sp>
+      <p:sp>
+        <p:nvSpPr>
+          <p:cNvPr id="9" name="Abgerundetes Rechteck 8">
+            <a:extLst>
+              <a:ext uri="{FF2B5EF4-FFF2-40B4-BE49-F238E27FC236}">
+                <a16:creationId xmlns:a16="http://schemas.microsoft.com/office/drawing/2014/main" id="{556F5112-E18A-ED4A-B38D-A79AF0EDB611}"/>
+              </a:ext>
+            </a:extLst>
+          </p:cNvPr>
+          <p:cNvSpPr/>
+          <p:nvPr/>
+        </p:nvSpPr>
+        <p:spPr>
+          <a:xfrm>
+            <a:off x="6745279" y="5190717"/>
+            <a:ext cx="2233749" cy="1000897"/>
+          </a:xfrm>
+          <a:prstGeom prst="roundRect">
+            <a:avLst/>
+          </a:prstGeom>
+          <a:solidFill>
+            <a:srgbClr val="FF0000"/>
+          </a:solidFill>
+        </p:spPr>
+        <p:style>
+          <a:lnRef idx="2">
+            <a:schemeClr val="accent1">
+              <a:shade val="50000"/>
+            </a:schemeClr>
+          </a:lnRef>
+          <a:fillRef idx="1">
+            <a:schemeClr val="accent1"/>
+          </a:fillRef>
+          <a:effectRef idx="0">
+            <a:schemeClr val="accent1"/>
+          </a:effectRef>
+          <a:fontRef idx="minor">
+            <a:schemeClr val="lt1"/>
+          </a:fontRef>
+        </p:style>
+        <p:txBody>
+          <a:bodyPr rtlCol="0" anchor="ctr"/>
+          <a:lstStyle/>
+          <a:p>
+            <a:pPr algn="ctr"/>
+            <a:r>
+              <a:rPr lang="en-GB" sz="2800" dirty="0" err="1"/>
+              <a:t>ttgrowth</a:t>
+            </a:r>
+            <a:r>
+              <a:rPr lang="en-GB" sz="2800" dirty="0"/>
+              <a:t>()</a:t>
+            </a:r>
+          </a:p>
+          <a:p>
+            <a:pPr algn="ctr"/>
+            <a:r>
+              <a:rPr lang="en-GB" sz="1600" dirty="0">
+                <a:solidFill>
+                  <a:schemeClr val="tx1">
+                    <a:lumMod val="95000"/>
+                    <a:lumOff val="5000"/>
+                  </a:schemeClr>
+                </a:solidFill>
+              </a:rPr>
+              <a:t>Missing: data filtering, plotting utility</a:t>
+            </a:r>
+          </a:p>
+        </p:txBody>
+      </p:sp>
+      <p:sp>
+        <p:nvSpPr>
+          <p:cNvPr id="10" name="Abgerundetes Rechteck 9">
+            <a:extLst>
+              <a:ext uri="{FF2B5EF4-FFF2-40B4-BE49-F238E27FC236}">
+                <a16:creationId xmlns:a16="http://schemas.microsoft.com/office/drawing/2014/main" id="{46B69D56-9630-D34F-9068-685C6A6F75D6}"/>
+              </a:ext>
+            </a:extLst>
+          </p:cNvPr>
+          <p:cNvSpPr/>
+          <p:nvPr/>
+        </p:nvSpPr>
+        <p:spPr>
+          <a:xfrm>
+            <a:off x="1936005" y="1845819"/>
+            <a:ext cx="2233749" cy="836023"/>
+          </a:xfrm>
+          <a:prstGeom prst="roundRect">
+            <a:avLst/>
+          </a:prstGeom>
+          <a:solidFill>
+            <a:srgbClr val="00B050"/>
+          </a:solidFill>
+        </p:spPr>
+        <p:style>
+          <a:lnRef idx="2">
+            <a:schemeClr val="accent1">
+              <a:shade val="50000"/>
+            </a:schemeClr>
+          </a:lnRef>
+          <a:fillRef idx="1">
+            <a:schemeClr val="accent1"/>
+          </a:fillRef>
+          <a:effectRef idx="0">
+            <a:schemeClr val="accent1"/>
+          </a:effectRef>
+          <a:fontRef idx="minor">
+            <a:schemeClr val="lt1"/>
+          </a:fontRef>
+        </p:style>
+        <p:txBody>
+          <a:bodyPr rtlCol="0" anchor="ctr"/>
+          <a:lstStyle/>
+          <a:p>
+            <a:pPr algn="ctr"/>
+            <a:r>
+              <a:rPr lang="en-GB" sz="2800" dirty="0" err="1"/>
+              <a:t>ttlight</a:t>
+            </a:r>
+            <a:r>
+              <a:rPr lang="en-GB" sz="2800" dirty="0"/>
+              <a:t>()</a:t>
+            </a:r>
+          </a:p>
+        </p:txBody>
+      </p:sp>
+      <p:sp>
+        <p:nvSpPr>
+          <p:cNvPr id="11" name="Textfeld 10">
+            <a:extLst>
+              <a:ext uri="{FF2B5EF4-FFF2-40B4-BE49-F238E27FC236}">
+                <a16:creationId xmlns:a16="http://schemas.microsoft.com/office/drawing/2014/main" id="{D65D55F6-04A9-2F4E-96FD-BACCBF2057DE}"/>
+              </a:ext>
+            </a:extLst>
+          </p:cNvPr>
+          <p:cNvSpPr txBox="1"/>
+          <p:nvPr/>
+        </p:nvSpPr>
+        <p:spPr>
+          <a:xfrm>
+            <a:off x="10477072" y="2107852"/>
+            <a:ext cx="1753456" cy="923330"/>
+          </a:xfrm>
+          <a:prstGeom prst="rect">
+            <a:avLst/>
+          </a:prstGeom>
+          <a:noFill/>
+        </p:spPr>
+        <p:txBody>
+          <a:bodyPr wrap="square" rtlCol="0">
+            <a:spAutoFit/>
+          </a:bodyPr>
+          <a:lstStyle/>
+          <a:p>
+            <a:r>
+              <a:rPr lang="en-GB" dirty="0">
+                <a:solidFill>
+                  <a:srgbClr val="00B050"/>
+                </a:solidFill>
+              </a:rPr>
+              <a:t>Done!</a:t>
+            </a:r>
+          </a:p>
+          <a:p>
+            <a:r>
+              <a:rPr lang="en-GB" dirty="0">
+                <a:solidFill>
+                  <a:srgbClr val="FFC000"/>
+                </a:solidFill>
+              </a:rPr>
+              <a:t>Almost ready</a:t>
+            </a:r>
+          </a:p>
+          <a:p>
+            <a:r>
+              <a:rPr lang="en-GB" dirty="0">
+                <a:solidFill>
+                  <a:srgbClr val="FF0000"/>
+                </a:solidFill>
+              </a:rPr>
+              <a:t>Action needed</a:t>
+            </a:r>
+          </a:p>
+        </p:txBody>
+      </p:sp>
+      <p:pic>
+        <p:nvPicPr>
+          <p:cNvPr id="13" name="Grafik 12">
+            <a:extLst>
+              <a:ext uri="{FF2B5EF4-FFF2-40B4-BE49-F238E27FC236}">
+                <a16:creationId xmlns:a16="http://schemas.microsoft.com/office/drawing/2014/main" id="{625A63CD-40B6-E94C-A797-AA3229A1068F}"/>
+              </a:ext>
+            </a:extLst>
+          </p:cNvPr>
+          <p:cNvPicPr>
+            <a:picLocks noChangeAspect="1"/>
+          </p:cNvPicPr>
+          <p:nvPr/>
+        </p:nvPicPr>
+        <p:blipFill>
+          <a:blip r:embed="rId2"/>
+          <a:stretch>
+            <a:fillRect/>
+          </a:stretch>
+        </p:blipFill>
+        <p:spPr>
+          <a:xfrm>
+            <a:off x="10973656" y="23875"/>
+            <a:ext cx="1174750" cy="1295400"/>
+          </a:xfrm>
+          <a:prstGeom prst="rect">
+            <a:avLst/>
+          </a:prstGeom>
+        </p:spPr>
+      </p:pic>
+      <p:sp>
+        <p:nvSpPr>
+          <p:cNvPr id="14" name="Abgerundetes Rechteck 13">
+            <a:extLst>
+              <a:ext uri="{FF2B5EF4-FFF2-40B4-BE49-F238E27FC236}">
+                <a16:creationId xmlns:a16="http://schemas.microsoft.com/office/drawing/2014/main" id="{F0C9F6F6-CD2F-2A45-B03D-D3FD1926D75C}"/>
+              </a:ext>
+            </a:extLst>
+          </p:cNvPr>
+          <p:cNvSpPr/>
+          <p:nvPr/>
+        </p:nvSpPr>
+        <p:spPr>
+          <a:xfrm>
+            <a:off x="3633161" y="5691165"/>
+            <a:ext cx="2233749" cy="1000897"/>
+          </a:xfrm>
+          <a:prstGeom prst="roundRect">
+            <a:avLst/>
+          </a:prstGeom>
+          <a:solidFill>
+            <a:srgbClr val="FF0000"/>
+          </a:solidFill>
+        </p:spPr>
+        <p:style>
+          <a:lnRef idx="2">
+            <a:schemeClr val="accent1">
+              <a:shade val="50000"/>
+            </a:schemeClr>
+          </a:lnRef>
+          <a:fillRef idx="1">
+            <a:schemeClr val="accent1"/>
+          </a:fillRef>
+          <a:effectRef idx="0">
+            <a:schemeClr val="accent1"/>
+          </a:effectRef>
+          <a:fontRef idx="minor">
+            <a:schemeClr val="lt1"/>
+          </a:fontRef>
+        </p:style>
+        <p:txBody>
+          <a:bodyPr rtlCol="0" anchor="ctr"/>
+          <a:lstStyle/>
+          <a:p>
+            <a:pPr algn="ctr"/>
+            <a:r>
+              <a:rPr lang="en-GB" sz="2800" dirty="0" err="1"/>
+              <a:t>ttacc</a:t>
+            </a:r>
+            <a:r>
+              <a:rPr lang="en-GB" sz="2800" dirty="0"/>
+              <a:t>()</a:t>
+            </a:r>
+          </a:p>
+          <a:p>
+            <a:pPr algn="ctr"/>
+            <a:r>
+              <a:rPr lang="en-GB" sz="1600" dirty="0">
+                <a:solidFill>
+                  <a:schemeClr val="tx1">
+                    <a:lumMod val="95000"/>
+                    <a:lumOff val="5000"/>
+                  </a:schemeClr>
+                </a:solidFill>
+              </a:rPr>
+              <a:t>Missing: to be started</a:t>
+            </a:r>
+          </a:p>
+        </p:txBody>
+      </p:sp>
+    </p:spTree>
+    <p:extLst>
+      <p:ext uri="{BB962C8B-B14F-4D97-AF65-F5344CB8AC3E}">
+        <p14:creationId xmlns:p14="http://schemas.microsoft.com/office/powerpoint/2010/main" val="2867756989"/>
+      </p:ext>
+    </p:extLst>
+  </p:cSld>
+  <p:clrMapOvr>
+    <a:masterClrMapping/>
+  </p:clrMapOvr>
+</p:sld>
+</file>
+
 <file path=ppt/theme/theme1.xml><?xml version="1.0" encoding="utf-8"?>
 <a:theme xmlns:a="http://schemas.openxmlformats.org/drawingml/2006/main" name="Office">
   <a:themeElements>

--- a/logo_ttalkr.pptx
+++ b/logo_ttalkr.pptx
@@ -127,7 +127,7 @@
   <pc:docChgLst>
     <pc:chgData name="Tomelleri Enrico" userId="024ed94a-5a78-4e35-b9a0-20d7f458abcb" providerId="ADAL" clId="{59DA42F6-32AA-D243-B315-C41DD94FB2BB}"/>
     <pc:docChg chg="undo custSel addSld delSld modSld">
-      <pc:chgData name="Tomelleri Enrico" userId="024ed94a-5a78-4e35-b9a0-20d7f458abcb" providerId="ADAL" clId="{59DA42F6-32AA-D243-B315-C41DD94FB2BB}" dt="2021-05-12T12:36:21.264" v="254" actId="1076"/>
+      <pc:chgData name="Tomelleri Enrico" userId="024ed94a-5a78-4e35-b9a0-20d7f458abcb" providerId="ADAL" clId="{59DA42F6-32AA-D243-B315-C41DD94FB2BB}" dt="2021-06-03T08:02:31.224" v="262" actId="207"/>
       <pc:docMkLst>
         <pc:docMk/>
       </pc:docMkLst>
@@ -209,7 +209,7 @@
         </pc:picChg>
       </pc:sldChg>
       <pc:sldChg chg="addSp delSp modSp new mod">
-        <pc:chgData name="Tomelleri Enrico" userId="024ed94a-5a78-4e35-b9a0-20d7f458abcb" providerId="ADAL" clId="{59DA42F6-32AA-D243-B315-C41DD94FB2BB}" dt="2021-05-12T12:36:21.264" v="254" actId="1076"/>
+        <pc:chgData name="Tomelleri Enrico" userId="024ed94a-5a78-4e35-b9a0-20d7f458abcb" providerId="ADAL" clId="{59DA42F6-32AA-D243-B315-C41DD94FB2BB}" dt="2021-06-03T08:02:31.224" v="262" actId="207"/>
         <pc:sldMkLst>
           <pc:docMk/>
           <pc:sldMk cId="2867756989" sldId="258"/>
@@ -247,7 +247,7 @@
           </ac:spMkLst>
         </pc:spChg>
         <pc:spChg chg="add mod">
-          <ac:chgData name="Tomelleri Enrico" userId="024ed94a-5a78-4e35-b9a0-20d7f458abcb" providerId="ADAL" clId="{59DA42F6-32AA-D243-B315-C41DD94FB2BB}" dt="2021-05-12T12:36:00.280" v="249" actId="1076"/>
+          <ac:chgData name="Tomelleri Enrico" userId="024ed94a-5a78-4e35-b9a0-20d7f458abcb" providerId="ADAL" clId="{59DA42F6-32AA-D243-B315-C41DD94FB2BB}" dt="2021-06-03T08:02:07.237" v="256" actId="20577"/>
           <ac:spMkLst>
             <pc:docMk/>
             <pc:sldMk cId="2867756989" sldId="258"/>
@@ -255,7 +255,7 @@
           </ac:spMkLst>
         </pc:spChg>
         <pc:spChg chg="add mod">
-          <ac:chgData name="Tomelleri Enrico" userId="024ed94a-5a78-4e35-b9a0-20d7f458abcb" providerId="ADAL" clId="{59DA42F6-32AA-D243-B315-C41DD94FB2BB}" dt="2021-05-12T12:36:08.057" v="252" actId="1076"/>
+          <ac:chgData name="Tomelleri Enrico" userId="024ed94a-5a78-4e35-b9a0-20d7f458abcb" providerId="ADAL" clId="{59DA42F6-32AA-D243-B315-C41DD94FB2BB}" dt="2021-06-03T08:02:31.224" v="262" actId="207"/>
           <ac:spMkLst>
             <pc:docMk/>
             <pc:sldMk cId="2867756989" sldId="258"/>
@@ -271,7 +271,7 @@
           </ac:spMkLst>
         </pc:spChg>
         <pc:spChg chg="add mod">
-          <ac:chgData name="Tomelleri Enrico" userId="024ed94a-5a78-4e35-b9a0-20d7f458abcb" providerId="ADAL" clId="{59DA42F6-32AA-D243-B315-C41DD94FB2BB}" dt="2021-05-12T12:36:11.276" v="253" actId="1076"/>
+          <ac:chgData name="Tomelleri Enrico" userId="024ed94a-5a78-4e35-b9a0-20d7f458abcb" providerId="ADAL" clId="{59DA42F6-32AA-D243-B315-C41DD94FB2BB}" dt="2021-06-03T08:02:27.686" v="261" actId="207"/>
           <ac:spMkLst>
             <pc:docMk/>
             <pc:sldMk cId="2867756989" sldId="258"/>
@@ -295,7 +295,7 @@
           </ac:spMkLst>
         </pc:spChg>
         <pc:spChg chg="add mod">
-          <ac:chgData name="Tomelleri Enrico" userId="024ed94a-5a78-4e35-b9a0-20d7f458abcb" providerId="ADAL" clId="{59DA42F6-32AA-D243-B315-C41DD94FB2BB}" dt="2021-05-12T12:36:21.264" v="254" actId="1076"/>
+          <ac:chgData name="Tomelleri Enrico" userId="024ed94a-5a78-4e35-b9a0-20d7f458abcb" providerId="ADAL" clId="{59DA42F6-32AA-D243-B315-C41DD94FB2BB}" dt="2021-06-03T08:02:15.109" v="258" actId="20577"/>
           <ac:spMkLst>
             <pc:docMk/>
             <pc:sldMk cId="2867756989" sldId="258"/>
@@ -489,7 +489,7 @@
           <a:p>
             <a:fld id="{FBD303A9-7B10-2940-9085-F6AE4A843D66}" type="datetimeFigureOut">
               <a:rPr lang="en-GB" smtClean="0"/>
-              <a:t>12/05/2021</a:t>
+              <a:t>03/06/2021</a:t>
             </a:fld>
             <a:endParaRPr lang="en-GB"/>
           </a:p>
@@ -689,7 +689,7 @@
           <a:p>
             <a:fld id="{FBD303A9-7B10-2940-9085-F6AE4A843D66}" type="datetimeFigureOut">
               <a:rPr lang="en-GB" smtClean="0"/>
-              <a:t>12/05/2021</a:t>
+              <a:t>03/06/2021</a:t>
             </a:fld>
             <a:endParaRPr lang="en-GB"/>
           </a:p>
@@ -899,7 +899,7 @@
           <a:p>
             <a:fld id="{FBD303A9-7B10-2940-9085-F6AE4A843D66}" type="datetimeFigureOut">
               <a:rPr lang="en-GB" smtClean="0"/>
-              <a:t>12/05/2021</a:t>
+              <a:t>03/06/2021</a:t>
             </a:fld>
             <a:endParaRPr lang="en-GB"/>
           </a:p>
@@ -1099,7 +1099,7 @@
           <a:p>
             <a:fld id="{FBD303A9-7B10-2940-9085-F6AE4A843D66}" type="datetimeFigureOut">
               <a:rPr lang="en-GB" smtClean="0"/>
-              <a:t>12/05/2021</a:t>
+              <a:t>03/06/2021</a:t>
             </a:fld>
             <a:endParaRPr lang="en-GB"/>
           </a:p>
@@ -1375,7 +1375,7 @@
           <a:p>
             <a:fld id="{FBD303A9-7B10-2940-9085-F6AE4A843D66}" type="datetimeFigureOut">
               <a:rPr lang="en-GB" smtClean="0"/>
-              <a:t>12/05/2021</a:t>
+              <a:t>03/06/2021</a:t>
             </a:fld>
             <a:endParaRPr lang="en-GB"/>
           </a:p>
@@ -1643,7 +1643,7 @@
           <a:p>
             <a:fld id="{FBD303A9-7B10-2940-9085-F6AE4A843D66}" type="datetimeFigureOut">
               <a:rPr lang="en-GB" smtClean="0"/>
-              <a:t>12/05/2021</a:t>
+              <a:t>03/06/2021</a:t>
             </a:fld>
             <a:endParaRPr lang="en-GB"/>
           </a:p>
@@ -2058,7 +2058,7 @@
           <a:p>
             <a:fld id="{FBD303A9-7B10-2940-9085-F6AE4A843D66}" type="datetimeFigureOut">
               <a:rPr lang="en-GB" smtClean="0"/>
-              <a:t>12/05/2021</a:t>
+              <a:t>03/06/2021</a:t>
             </a:fld>
             <a:endParaRPr lang="en-GB"/>
           </a:p>
@@ -2200,7 +2200,7 @@
           <a:p>
             <a:fld id="{FBD303A9-7B10-2940-9085-F6AE4A843D66}" type="datetimeFigureOut">
               <a:rPr lang="en-GB" smtClean="0"/>
-              <a:t>12/05/2021</a:t>
+              <a:t>03/06/2021</a:t>
             </a:fld>
             <a:endParaRPr lang="en-GB"/>
           </a:p>
@@ -2313,7 +2313,7 @@
           <a:p>
             <a:fld id="{FBD303A9-7B10-2940-9085-F6AE4A843D66}" type="datetimeFigureOut">
               <a:rPr lang="en-GB" smtClean="0"/>
-              <a:t>12/05/2021</a:t>
+              <a:t>03/06/2021</a:t>
             </a:fld>
             <a:endParaRPr lang="en-GB"/>
           </a:p>
@@ -2626,7 +2626,7 @@
           <a:p>
             <a:fld id="{FBD303A9-7B10-2940-9085-F6AE4A843D66}" type="datetimeFigureOut">
               <a:rPr lang="en-GB" smtClean="0"/>
-              <a:t>12/05/2021</a:t>
+              <a:t>03/06/2021</a:t>
             </a:fld>
             <a:endParaRPr lang="en-GB"/>
           </a:p>
@@ -2915,7 +2915,7 @@
           <a:p>
             <a:fld id="{FBD303A9-7B10-2940-9085-F6AE4A843D66}" type="datetimeFigureOut">
               <a:rPr lang="en-GB" smtClean="0"/>
-              <a:t>12/05/2021</a:t>
+              <a:t>03/06/2021</a:t>
             </a:fld>
             <a:endParaRPr lang="en-GB"/>
           </a:p>
@@ -3158,7 +3158,7 @@
           <a:p>
             <a:fld id="{FBD303A9-7B10-2940-9085-F6AE4A843D66}" type="datetimeFigureOut">
               <a:rPr lang="en-GB" smtClean="0"/>
-              <a:t>12/05/2021</a:t>
+              <a:t>03/06/2021</a:t>
             </a:fld>
             <a:endParaRPr lang="en-GB"/>
           </a:p>
@@ -4073,7 +4073,7 @@
             <a:avLst/>
           </a:prstGeom>
           <a:solidFill>
-            <a:srgbClr val="FFC000"/>
+            <a:srgbClr val="00B050"/>
           </a:solidFill>
         </p:spPr>
         <p:style>
@@ -4106,20 +4106,6 @@
               <a:t>()</a:t>
             </a:r>
           </a:p>
-          <a:p>
-            <a:pPr algn="ctr"/>
-            <a:r>
-              <a:rPr lang="en-GB" sz="1600" dirty="0">
-                <a:solidFill>
-                  <a:schemeClr val="tx1">
-                    <a:lumMod val="95000"/>
-                    <a:lumOff val="5000"/>
-                  </a:schemeClr>
-                </a:solidFill>
-              </a:rPr>
-              <a:t>Missing: plotting utility</a:t>
-            </a:r>
-          </a:p>
         </p:txBody>
       </p:sp>
       <p:sp>
@@ -4143,7 +4129,7 @@
             <a:avLst/>
           </a:prstGeom>
           <a:solidFill>
-            <a:srgbClr val="FFC000"/>
+            <a:srgbClr val="00B050"/>
           </a:solidFill>
         </p:spPr>
         <p:style>
@@ -4269,7 +4255,7 @@
             <a:avLst/>
           </a:prstGeom>
           <a:solidFill>
-            <a:srgbClr val="FF0000"/>
+            <a:srgbClr val="FFC000"/>
           </a:solidFill>
         </p:spPr>
         <p:style>
@@ -4300,20 +4286,6 @@
             <a:r>
               <a:rPr lang="en-GB" sz="2800" dirty="0"/>
               <a:t>()</a:t>
-            </a:r>
-          </a:p>
-          <a:p>
-            <a:pPr algn="ctr"/>
-            <a:r>
-              <a:rPr lang="en-GB" sz="1600" dirty="0">
-                <a:solidFill>
-                  <a:schemeClr val="tx1">
-                    <a:lumMod val="95000"/>
-                    <a:lumOff val="5000"/>
-                  </a:schemeClr>
-                </a:solidFill>
-              </a:rPr>
-              <a:t>Missing: data filtering, plotting utility</a:t>
             </a:r>
           </a:p>
         </p:txBody>
@@ -4484,7 +4456,7 @@
             <a:avLst/>
           </a:prstGeom>
           <a:solidFill>
-            <a:srgbClr val="FF0000"/>
+            <a:srgbClr val="00B050"/>
           </a:solidFill>
         </p:spPr>
         <p:style>
@@ -4515,20 +4487,6 @@
             <a:r>
               <a:rPr lang="en-GB" sz="2800" dirty="0"/>
               <a:t>()</a:t>
-            </a:r>
-          </a:p>
-          <a:p>
-            <a:pPr algn="ctr"/>
-            <a:r>
-              <a:rPr lang="en-GB" sz="1600" dirty="0">
-                <a:solidFill>
-                  <a:schemeClr val="tx1">
-                    <a:lumMod val="95000"/>
-                    <a:lumOff val="5000"/>
-                  </a:schemeClr>
-                </a:solidFill>
-              </a:rPr>
-              <a:t>Missing: to be started</a:t>
             </a:r>
           </a:p>
         </p:txBody>
